--- a/卒業論文/2016/岩橋瑠伊/中間審査/1442014_岩橋瑠伊-ポスター.pptx
+++ b/卒業論文/2016/岩橋瑠伊/中間審査/1442014_岩橋瑠伊-ポスター.pptx
@@ -227,7 +227,7 @@
           <a:p>
             <a:fld id="{1355B614-8C80-42CD-A0C7-A8AC0A708725}" type="datetimeFigureOut">
               <a:rPr kumimoji="1" lang="ja-JP" altLang="en-US" smtClean="0"/>
-              <a:t>2017/10/4</a:t>
+              <a:t>2017/10/6</a:t>
             </a:fld>
             <a:endParaRPr kumimoji="1" lang="ja-JP" altLang="en-US"/>
           </a:p>
@@ -739,7 +739,7 @@
           <a:p>
             <a:fld id="{CD18CB5A-6947-405F-A94A-52FF85729738}" type="datetimeFigureOut">
               <a:rPr kumimoji="1" lang="ja-JP" altLang="en-US" smtClean="0"/>
-              <a:t>2017/10/4</a:t>
+              <a:t>2017/10/6</a:t>
             </a:fld>
             <a:endParaRPr kumimoji="1" lang="ja-JP" altLang="en-US"/>
           </a:p>
@@ -939,7 +939,7 @@
           <a:p>
             <a:fld id="{CD18CB5A-6947-405F-A94A-52FF85729738}" type="datetimeFigureOut">
               <a:rPr kumimoji="1" lang="ja-JP" altLang="en-US" smtClean="0"/>
-              <a:t>2017/10/4</a:t>
+              <a:t>2017/10/6</a:t>
             </a:fld>
             <a:endParaRPr kumimoji="1" lang="ja-JP" altLang="en-US"/>
           </a:p>
@@ -1149,7 +1149,7 @@
           <a:p>
             <a:fld id="{CD18CB5A-6947-405F-A94A-52FF85729738}" type="datetimeFigureOut">
               <a:rPr kumimoji="1" lang="ja-JP" altLang="en-US" smtClean="0"/>
-              <a:t>2017/10/4</a:t>
+              <a:t>2017/10/6</a:t>
             </a:fld>
             <a:endParaRPr kumimoji="1" lang="ja-JP" altLang="en-US"/>
           </a:p>
@@ -1349,7 +1349,7 @@
           <a:p>
             <a:fld id="{CD18CB5A-6947-405F-A94A-52FF85729738}" type="datetimeFigureOut">
               <a:rPr kumimoji="1" lang="ja-JP" altLang="en-US" smtClean="0"/>
-              <a:t>2017/10/4</a:t>
+              <a:t>2017/10/6</a:t>
             </a:fld>
             <a:endParaRPr kumimoji="1" lang="ja-JP" altLang="en-US"/>
           </a:p>
@@ -1594,7 +1594,7 @@
           <a:p>
             <a:fld id="{CD18CB5A-6947-405F-A94A-52FF85729738}" type="datetimeFigureOut">
               <a:rPr kumimoji="1" lang="ja-JP" altLang="en-US" smtClean="0"/>
-              <a:t>2017/10/4</a:t>
+              <a:t>2017/10/6</a:t>
             </a:fld>
             <a:endParaRPr kumimoji="1" lang="ja-JP" altLang="en-US"/>
           </a:p>
@@ -1887,7 +1887,7 @@
           <a:p>
             <a:fld id="{CD18CB5A-6947-405F-A94A-52FF85729738}" type="datetimeFigureOut">
               <a:rPr kumimoji="1" lang="ja-JP" altLang="en-US" smtClean="0"/>
-              <a:t>2017/10/4</a:t>
+              <a:t>2017/10/6</a:t>
             </a:fld>
             <a:endParaRPr kumimoji="1" lang="ja-JP" altLang="en-US"/>
           </a:p>
@@ -2315,7 +2315,7 @@
           <a:p>
             <a:fld id="{CD18CB5A-6947-405F-A94A-52FF85729738}" type="datetimeFigureOut">
               <a:rPr kumimoji="1" lang="ja-JP" altLang="en-US" smtClean="0"/>
-              <a:t>2017/10/4</a:t>
+              <a:t>2017/10/6</a:t>
             </a:fld>
             <a:endParaRPr kumimoji="1" lang="ja-JP" altLang="en-US"/>
           </a:p>
@@ -2432,7 +2432,7 @@
           <a:p>
             <a:fld id="{CD18CB5A-6947-405F-A94A-52FF85729738}" type="datetimeFigureOut">
               <a:rPr kumimoji="1" lang="ja-JP" altLang="en-US" smtClean="0"/>
-              <a:t>2017/10/4</a:t>
+              <a:t>2017/10/6</a:t>
             </a:fld>
             <a:endParaRPr kumimoji="1" lang="ja-JP" altLang="en-US"/>
           </a:p>
@@ -2527,7 +2527,7 @@
           <a:p>
             <a:fld id="{CD18CB5A-6947-405F-A94A-52FF85729738}" type="datetimeFigureOut">
               <a:rPr kumimoji="1" lang="ja-JP" altLang="en-US" smtClean="0"/>
-              <a:t>2017/10/4</a:t>
+              <a:t>2017/10/6</a:t>
             </a:fld>
             <a:endParaRPr kumimoji="1" lang="ja-JP" altLang="en-US"/>
           </a:p>
@@ -2834,7 +2834,7 @@
           <a:p>
             <a:fld id="{CD18CB5A-6947-405F-A94A-52FF85729738}" type="datetimeFigureOut">
               <a:rPr kumimoji="1" lang="ja-JP" altLang="en-US" smtClean="0"/>
-              <a:t>2017/10/4</a:t>
+              <a:t>2017/10/6</a:t>
             </a:fld>
             <a:endParaRPr kumimoji="1" lang="ja-JP" altLang="en-US"/>
           </a:p>
@@ -3086,7 +3086,7 @@
           <a:p>
             <a:fld id="{CD18CB5A-6947-405F-A94A-52FF85729738}" type="datetimeFigureOut">
               <a:rPr kumimoji="1" lang="ja-JP" altLang="en-US" smtClean="0"/>
-              <a:t>2017/10/4</a:t>
+              <a:t>2017/10/6</a:t>
             </a:fld>
             <a:endParaRPr kumimoji="1" lang="ja-JP" altLang="en-US"/>
           </a:p>
@@ -3329,7 +3329,7 @@
           <a:p>
             <a:fld id="{CD18CB5A-6947-405F-A94A-52FF85729738}" type="datetimeFigureOut">
               <a:rPr kumimoji="1" lang="ja-JP" altLang="en-US" smtClean="0"/>
-              <a:t>2017/10/4</a:t>
+              <a:t>2017/10/6</a:t>
             </a:fld>
             <a:endParaRPr kumimoji="1" lang="ja-JP" altLang="en-US"/>
           </a:p>
@@ -4362,7 +4362,7 @@
             <a:r>
               <a:rPr lang="ja-JP" altLang="en-US" sz="4400" dirty="0">
                 <a:solidFill>
-                  <a:srgbClr val="00B050"/>
+                  <a:schemeClr val="accent2"/>
                 </a:solidFill>
               </a:rPr>
               <a:t>デマ</a:t>
@@ -4370,7 +4370,7 @@
             <a:r>
               <a:rPr kumimoji="1" lang="ja-JP" altLang="en-US" sz="4400" dirty="0">
                 <a:solidFill>
-                  <a:srgbClr val="00B050"/>
+                  <a:schemeClr val="accent2"/>
                 </a:solidFill>
               </a:rPr>
               <a:t>ツイート</a:t>
@@ -4443,7 +4443,7 @@
             <a:r>
               <a:rPr kumimoji="1" lang="ja-JP" altLang="en-US" sz="4400" dirty="0">
                 <a:solidFill>
-                  <a:srgbClr val="00B050"/>
+                  <a:schemeClr val="accent2"/>
                 </a:solidFill>
               </a:rPr>
               <a:t>デマツイートをリツイートしたユーザ群</a:t>
@@ -4598,7 +4598,7 @@
             <a:r>
               <a:rPr kumimoji="1" lang="ja-JP" altLang="en-US" sz="4400" dirty="0">
                 <a:solidFill>
-                  <a:srgbClr val="00B050"/>
+                  <a:schemeClr val="accent2"/>
                 </a:solidFill>
               </a:rPr>
               <a:t>デマをリツイートしないユーザ群</a:t>

--- a/卒業論文/2016/岩橋瑠伊/中間審査/1442014_岩橋瑠伊-ポスター.pptx
+++ b/卒業論文/2016/岩橋瑠伊/中間審査/1442014_岩橋瑠伊-ポスター.pptx
@@ -227,7 +227,7 @@
           <a:p>
             <a:fld id="{1355B614-8C80-42CD-A0C7-A8AC0A708725}" type="datetimeFigureOut">
               <a:rPr kumimoji="1" lang="ja-JP" altLang="en-US" smtClean="0"/>
-              <a:t>2017/10/6</a:t>
+              <a:t>2017/10/9</a:t>
             </a:fld>
             <a:endParaRPr kumimoji="1" lang="ja-JP" altLang="en-US"/>
           </a:p>
@@ -739,7 +739,7 @@
           <a:p>
             <a:fld id="{CD18CB5A-6947-405F-A94A-52FF85729738}" type="datetimeFigureOut">
               <a:rPr kumimoji="1" lang="ja-JP" altLang="en-US" smtClean="0"/>
-              <a:t>2017/10/6</a:t>
+              <a:t>2017/10/9</a:t>
             </a:fld>
             <a:endParaRPr kumimoji="1" lang="ja-JP" altLang="en-US"/>
           </a:p>
@@ -939,7 +939,7 @@
           <a:p>
             <a:fld id="{CD18CB5A-6947-405F-A94A-52FF85729738}" type="datetimeFigureOut">
               <a:rPr kumimoji="1" lang="ja-JP" altLang="en-US" smtClean="0"/>
-              <a:t>2017/10/6</a:t>
+              <a:t>2017/10/9</a:t>
             </a:fld>
             <a:endParaRPr kumimoji="1" lang="ja-JP" altLang="en-US"/>
           </a:p>
@@ -1149,7 +1149,7 @@
           <a:p>
             <a:fld id="{CD18CB5A-6947-405F-A94A-52FF85729738}" type="datetimeFigureOut">
               <a:rPr kumimoji="1" lang="ja-JP" altLang="en-US" smtClean="0"/>
-              <a:t>2017/10/6</a:t>
+              <a:t>2017/10/9</a:t>
             </a:fld>
             <a:endParaRPr kumimoji="1" lang="ja-JP" altLang="en-US"/>
           </a:p>
@@ -1349,7 +1349,7 @@
           <a:p>
             <a:fld id="{CD18CB5A-6947-405F-A94A-52FF85729738}" type="datetimeFigureOut">
               <a:rPr kumimoji="1" lang="ja-JP" altLang="en-US" smtClean="0"/>
-              <a:t>2017/10/6</a:t>
+              <a:t>2017/10/9</a:t>
             </a:fld>
             <a:endParaRPr kumimoji="1" lang="ja-JP" altLang="en-US"/>
           </a:p>
@@ -1594,7 +1594,7 @@
           <a:p>
             <a:fld id="{CD18CB5A-6947-405F-A94A-52FF85729738}" type="datetimeFigureOut">
               <a:rPr kumimoji="1" lang="ja-JP" altLang="en-US" smtClean="0"/>
-              <a:t>2017/10/6</a:t>
+              <a:t>2017/10/9</a:t>
             </a:fld>
             <a:endParaRPr kumimoji="1" lang="ja-JP" altLang="en-US"/>
           </a:p>
@@ -1887,7 +1887,7 @@
           <a:p>
             <a:fld id="{CD18CB5A-6947-405F-A94A-52FF85729738}" type="datetimeFigureOut">
               <a:rPr kumimoji="1" lang="ja-JP" altLang="en-US" smtClean="0"/>
-              <a:t>2017/10/6</a:t>
+              <a:t>2017/10/9</a:t>
             </a:fld>
             <a:endParaRPr kumimoji="1" lang="ja-JP" altLang="en-US"/>
           </a:p>
@@ -2315,7 +2315,7 @@
           <a:p>
             <a:fld id="{CD18CB5A-6947-405F-A94A-52FF85729738}" type="datetimeFigureOut">
               <a:rPr kumimoji="1" lang="ja-JP" altLang="en-US" smtClean="0"/>
-              <a:t>2017/10/6</a:t>
+              <a:t>2017/10/9</a:t>
             </a:fld>
             <a:endParaRPr kumimoji="1" lang="ja-JP" altLang="en-US"/>
           </a:p>
@@ -2432,7 +2432,7 @@
           <a:p>
             <a:fld id="{CD18CB5A-6947-405F-A94A-52FF85729738}" type="datetimeFigureOut">
               <a:rPr kumimoji="1" lang="ja-JP" altLang="en-US" smtClean="0"/>
-              <a:t>2017/10/6</a:t>
+              <a:t>2017/10/9</a:t>
             </a:fld>
             <a:endParaRPr kumimoji="1" lang="ja-JP" altLang="en-US"/>
           </a:p>
@@ -2527,7 +2527,7 @@
           <a:p>
             <a:fld id="{CD18CB5A-6947-405F-A94A-52FF85729738}" type="datetimeFigureOut">
               <a:rPr kumimoji="1" lang="ja-JP" altLang="en-US" smtClean="0"/>
-              <a:t>2017/10/6</a:t>
+              <a:t>2017/10/9</a:t>
             </a:fld>
             <a:endParaRPr kumimoji="1" lang="ja-JP" altLang="en-US"/>
           </a:p>
@@ -2834,7 +2834,7 @@
           <a:p>
             <a:fld id="{CD18CB5A-6947-405F-A94A-52FF85729738}" type="datetimeFigureOut">
               <a:rPr kumimoji="1" lang="ja-JP" altLang="en-US" smtClean="0"/>
-              <a:t>2017/10/6</a:t>
+              <a:t>2017/10/9</a:t>
             </a:fld>
             <a:endParaRPr kumimoji="1" lang="ja-JP" altLang="en-US"/>
           </a:p>
@@ -3086,7 +3086,7 @@
           <a:p>
             <a:fld id="{CD18CB5A-6947-405F-A94A-52FF85729738}" type="datetimeFigureOut">
               <a:rPr kumimoji="1" lang="ja-JP" altLang="en-US" smtClean="0"/>
-              <a:t>2017/10/6</a:t>
+              <a:t>2017/10/9</a:t>
             </a:fld>
             <a:endParaRPr kumimoji="1" lang="ja-JP" altLang="en-US"/>
           </a:p>
@@ -3329,7 +3329,7 @@
           <a:p>
             <a:fld id="{CD18CB5A-6947-405F-A94A-52FF85729738}" type="datetimeFigureOut">
               <a:rPr kumimoji="1" lang="ja-JP" altLang="en-US" smtClean="0"/>
-              <a:t>2017/10/6</a:t>
+              <a:t>2017/10/9</a:t>
             </a:fld>
             <a:endParaRPr kumimoji="1" lang="ja-JP" altLang="en-US"/>
           </a:p>
@@ -4019,8 +4019,8 @@
         </p:nvSpPr>
         <p:spPr>
           <a:xfrm>
-            <a:off x="731633" y="11013930"/>
-            <a:ext cx="20069979" cy="2123658"/>
+            <a:off x="679109" y="11013930"/>
+            <a:ext cx="20122504" cy="2123658"/>
           </a:xfrm>
           <a:prstGeom prst="rect">
             <a:avLst/>
@@ -4043,7 +4043,21 @@
             </a:r>
             <a:r>
               <a:rPr lang="ja-JP" altLang="en-US" sz="4400" dirty="0"/>
-              <a:t>の使い方に違いを見つける．違いからデマツイートをリツイートするユーザなのかを判別できるようにする．</a:t>
+              <a:t>の使い方に違い</a:t>
+            </a:r>
+            <a:endParaRPr lang="en-US" altLang="ja-JP" sz="4400" dirty="0"/>
+          </a:p>
+          <a:p>
+            <a:r>
+              <a:rPr lang="ja-JP" altLang="en-US" sz="4400" dirty="0"/>
+              <a:t>を見つける．</a:t>
+            </a:r>
+            <a:endParaRPr lang="en-US" altLang="ja-JP" sz="4400" dirty="0"/>
+          </a:p>
+          <a:p>
+            <a:r>
+              <a:rPr lang="ja-JP" altLang="en-US" sz="4400" dirty="0"/>
+              <a:t>違いからデマツイートをリツイートするユーザなのかを判別できるようにする．</a:t>
             </a:r>
             <a:endParaRPr kumimoji="1" lang="ja-JP" altLang="en-US" sz="3200" dirty="0"/>
           </a:p>
@@ -4362,7 +4376,7 @@
             <a:r>
               <a:rPr lang="ja-JP" altLang="en-US" sz="4400" dirty="0">
                 <a:solidFill>
-                  <a:schemeClr val="accent2"/>
+                  <a:schemeClr val="accent6"/>
                 </a:solidFill>
               </a:rPr>
               <a:t>デマ</a:t>
@@ -4370,7 +4384,7 @@
             <a:r>
               <a:rPr kumimoji="1" lang="ja-JP" altLang="en-US" sz="4400" dirty="0">
                 <a:solidFill>
-                  <a:schemeClr val="accent2"/>
+                  <a:schemeClr val="accent6"/>
                 </a:solidFill>
               </a:rPr>
               <a:t>ツイート</a:t>
@@ -4443,7 +4457,7 @@
             <a:r>
               <a:rPr kumimoji="1" lang="ja-JP" altLang="en-US" sz="4400" dirty="0">
                 <a:solidFill>
-                  <a:schemeClr val="accent2"/>
+                  <a:schemeClr val="accent6"/>
                 </a:solidFill>
               </a:rPr>
               <a:t>デマツイートをリツイートしたユーザ群</a:t>
@@ -4598,7 +4612,7 @@
             <a:r>
               <a:rPr kumimoji="1" lang="ja-JP" altLang="en-US" sz="4400" dirty="0">
                 <a:solidFill>
-                  <a:schemeClr val="accent2"/>
+                  <a:schemeClr val="accent6"/>
                 </a:solidFill>
               </a:rPr>
               <a:t>デマをリツイートしないユーザ群</a:t>
@@ -5295,7 +5309,7 @@
         </p:nvSpPr>
         <p:spPr>
           <a:xfrm>
-            <a:off x="679108" y="27642869"/>
+            <a:off x="679108" y="27654755"/>
             <a:ext cx="22684268" cy="1446550"/>
           </a:xfrm>
           <a:prstGeom prst="rect">

--- a/卒業論文/2016/岩橋瑠伊/中間審査/1442014_岩橋瑠伊-ポスター.pptx
+++ b/卒業論文/2016/岩橋瑠伊/中間審査/1442014_岩橋瑠伊-ポスター.pptx
@@ -227,7 +227,7 @@
           <a:p>
             <a:fld id="{1355B614-8C80-42CD-A0C7-A8AC0A708725}" type="datetimeFigureOut">
               <a:rPr kumimoji="1" lang="ja-JP" altLang="en-US" smtClean="0"/>
-              <a:t>2017/10/9</a:t>
+              <a:t>2017/10/11</a:t>
             </a:fld>
             <a:endParaRPr kumimoji="1" lang="ja-JP" altLang="en-US"/>
           </a:p>
@@ -739,7 +739,7 @@
           <a:p>
             <a:fld id="{CD18CB5A-6947-405F-A94A-52FF85729738}" type="datetimeFigureOut">
               <a:rPr kumimoji="1" lang="ja-JP" altLang="en-US" smtClean="0"/>
-              <a:t>2017/10/9</a:t>
+              <a:t>2017/10/11</a:t>
             </a:fld>
             <a:endParaRPr kumimoji="1" lang="ja-JP" altLang="en-US"/>
           </a:p>
@@ -939,7 +939,7 @@
           <a:p>
             <a:fld id="{CD18CB5A-6947-405F-A94A-52FF85729738}" type="datetimeFigureOut">
               <a:rPr kumimoji="1" lang="ja-JP" altLang="en-US" smtClean="0"/>
-              <a:t>2017/10/9</a:t>
+              <a:t>2017/10/11</a:t>
             </a:fld>
             <a:endParaRPr kumimoji="1" lang="ja-JP" altLang="en-US"/>
           </a:p>
@@ -1149,7 +1149,7 @@
           <a:p>
             <a:fld id="{CD18CB5A-6947-405F-A94A-52FF85729738}" type="datetimeFigureOut">
               <a:rPr kumimoji="1" lang="ja-JP" altLang="en-US" smtClean="0"/>
-              <a:t>2017/10/9</a:t>
+              <a:t>2017/10/11</a:t>
             </a:fld>
             <a:endParaRPr kumimoji="1" lang="ja-JP" altLang="en-US"/>
           </a:p>
@@ -1349,7 +1349,7 @@
           <a:p>
             <a:fld id="{CD18CB5A-6947-405F-A94A-52FF85729738}" type="datetimeFigureOut">
               <a:rPr kumimoji="1" lang="ja-JP" altLang="en-US" smtClean="0"/>
-              <a:t>2017/10/9</a:t>
+              <a:t>2017/10/11</a:t>
             </a:fld>
             <a:endParaRPr kumimoji="1" lang="ja-JP" altLang="en-US"/>
           </a:p>
@@ -1594,7 +1594,7 @@
           <a:p>
             <a:fld id="{CD18CB5A-6947-405F-A94A-52FF85729738}" type="datetimeFigureOut">
               <a:rPr kumimoji="1" lang="ja-JP" altLang="en-US" smtClean="0"/>
-              <a:t>2017/10/9</a:t>
+              <a:t>2017/10/11</a:t>
             </a:fld>
             <a:endParaRPr kumimoji="1" lang="ja-JP" altLang="en-US"/>
           </a:p>
@@ -1887,7 +1887,7 @@
           <a:p>
             <a:fld id="{CD18CB5A-6947-405F-A94A-52FF85729738}" type="datetimeFigureOut">
               <a:rPr kumimoji="1" lang="ja-JP" altLang="en-US" smtClean="0"/>
-              <a:t>2017/10/9</a:t>
+              <a:t>2017/10/11</a:t>
             </a:fld>
             <a:endParaRPr kumimoji="1" lang="ja-JP" altLang="en-US"/>
           </a:p>
@@ -2315,7 +2315,7 @@
           <a:p>
             <a:fld id="{CD18CB5A-6947-405F-A94A-52FF85729738}" type="datetimeFigureOut">
               <a:rPr kumimoji="1" lang="ja-JP" altLang="en-US" smtClean="0"/>
-              <a:t>2017/10/9</a:t>
+              <a:t>2017/10/11</a:t>
             </a:fld>
             <a:endParaRPr kumimoji="1" lang="ja-JP" altLang="en-US"/>
           </a:p>
@@ -2432,7 +2432,7 @@
           <a:p>
             <a:fld id="{CD18CB5A-6947-405F-A94A-52FF85729738}" type="datetimeFigureOut">
               <a:rPr kumimoji="1" lang="ja-JP" altLang="en-US" smtClean="0"/>
-              <a:t>2017/10/9</a:t>
+              <a:t>2017/10/11</a:t>
             </a:fld>
             <a:endParaRPr kumimoji="1" lang="ja-JP" altLang="en-US"/>
           </a:p>
@@ -2527,7 +2527,7 @@
           <a:p>
             <a:fld id="{CD18CB5A-6947-405F-A94A-52FF85729738}" type="datetimeFigureOut">
               <a:rPr kumimoji="1" lang="ja-JP" altLang="en-US" smtClean="0"/>
-              <a:t>2017/10/9</a:t>
+              <a:t>2017/10/11</a:t>
             </a:fld>
             <a:endParaRPr kumimoji="1" lang="ja-JP" altLang="en-US"/>
           </a:p>
@@ -2834,7 +2834,7 @@
           <a:p>
             <a:fld id="{CD18CB5A-6947-405F-A94A-52FF85729738}" type="datetimeFigureOut">
               <a:rPr kumimoji="1" lang="ja-JP" altLang="en-US" smtClean="0"/>
-              <a:t>2017/10/9</a:t>
+              <a:t>2017/10/11</a:t>
             </a:fld>
             <a:endParaRPr kumimoji="1" lang="ja-JP" altLang="en-US"/>
           </a:p>
@@ -3086,7 +3086,7 @@
           <a:p>
             <a:fld id="{CD18CB5A-6947-405F-A94A-52FF85729738}" type="datetimeFigureOut">
               <a:rPr kumimoji="1" lang="ja-JP" altLang="en-US" smtClean="0"/>
-              <a:t>2017/10/9</a:t>
+              <a:t>2017/10/11</a:t>
             </a:fld>
             <a:endParaRPr kumimoji="1" lang="ja-JP" altLang="en-US"/>
           </a:p>
@@ -3329,7 +3329,7 @@
           <a:p>
             <a:fld id="{CD18CB5A-6947-405F-A94A-52FF85729738}" type="datetimeFigureOut">
               <a:rPr kumimoji="1" lang="ja-JP" altLang="en-US" smtClean="0"/>
-              <a:t>2017/10/9</a:t>
+              <a:t>2017/10/11</a:t>
             </a:fld>
             <a:endParaRPr kumimoji="1" lang="ja-JP" altLang="en-US"/>
           </a:p>
@@ -4376,7 +4376,9 @@
             <a:r>
               <a:rPr lang="ja-JP" altLang="en-US" sz="4400" dirty="0">
                 <a:solidFill>
-                  <a:schemeClr val="accent6"/>
+                  <a:schemeClr val="accent1">
+                    <a:lumMod val="75000"/>
+                  </a:schemeClr>
                 </a:solidFill>
               </a:rPr>
               <a:t>デマ</a:t>
@@ -4384,7 +4386,9 @@
             <a:r>
               <a:rPr kumimoji="1" lang="ja-JP" altLang="en-US" sz="4400" dirty="0">
                 <a:solidFill>
-                  <a:schemeClr val="accent6"/>
+                  <a:schemeClr val="accent1">
+                    <a:lumMod val="75000"/>
+                  </a:schemeClr>
                 </a:solidFill>
               </a:rPr>
               <a:t>ツイート</a:t>
@@ -4457,7 +4461,9 @@
             <a:r>
               <a:rPr kumimoji="1" lang="ja-JP" altLang="en-US" sz="4400" dirty="0">
                 <a:solidFill>
-                  <a:schemeClr val="accent6"/>
+                  <a:schemeClr val="accent1">
+                    <a:lumMod val="75000"/>
+                  </a:schemeClr>
                 </a:solidFill>
               </a:rPr>
               <a:t>デマツイートをリツイートしたユーザ群</a:t>
@@ -4560,7 +4566,9 @@
             <a:r>
               <a:rPr lang="en-US" altLang="ja-JP" sz="4800" dirty="0">
                 <a:solidFill>
-                  <a:srgbClr val="FF0000"/>
+                  <a:schemeClr val="accent6">
+                    <a:lumMod val="75000"/>
+                  </a:schemeClr>
                 </a:solidFill>
               </a:rPr>
               <a:t>Twitter</a:t>
@@ -4568,14 +4576,18 @@
             <a:r>
               <a:rPr lang="ja-JP" altLang="en-US" sz="4800" dirty="0">
                 <a:solidFill>
-                  <a:srgbClr val="FF0000"/>
+                  <a:schemeClr val="accent6">
+                    <a:lumMod val="75000"/>
+                  </a:schemeClr>
                 </a:solidFill>
               </a:rPr>
               <a:t>の使い方に違いがあるのではないか</a:t>
             </a:r>
             <a:endParaRPr lang="en-US" altLang="ja-JP" sz="4800" dirty="0">
               <a:solidFill>
-                <a:srgbClr val="FF0000"/>
+                <a:schemeClr val="accent6">
+                  <a:lumMod val="75000"/>
+                </a:schemeClr>
               </a:solidFill>
             </a:endParaRPr>
           </a:p>
@@ -4612,7 +4624,9 @@
             <a:r>
               <a:rPr kumimoji="1" lang="ja-JP" altLang="en-US" sz="4400" dirty="0">
                 <a:solidFill>
-                  <a:schemeClr val="accent6"/>
+                  <a:schemeClr val="accent1">
+                    <a:lumMod val="75000"/>
+                  </a:schemeClr>
                 </a:solidFill>
               </a:rPr>
               <a:t>デマをリツイートしないユーザ群</a:t>
@@ -4780,14 +4794,18 @@
             <a:r>
               <a:rPr lang="ja-JP" altLang="en-US" sz="4800" dirty="0">
                 <a:solidFill>
-                  <a:srgbClr val="FF0000"/>
+                  <a:schemeClr val="accent6">
+                    <a:lumMod val="75000"/>
+                  </a:schemeClr>
                 </a:solidFill>
               </a:rPr>
               <a:t>違いからデマをリツイートするユーザを判別できるようにする</a:t>
             </a:r>
             <a:endParaRPr lang="en-US" altLang="ja-JP" sz="4800" dirty="0">
               <a:solidFill>
-                <a:srgbClr val="FF0000"/>
+                <a:schemeClr val="accent6">
+                  <a:lumMod val="75000"/>
+                </a:schemeClr>
               </a:solidFill>
             </a:endParaRPr>
           </a:p>

--- a/卒業論文/2016/岩橋瑠伊/中間審査/1442014_岩橋瑠伊-ポスター.pptx
+++ b/卒業論文/2016/岩橋瑠伊/中間審査/1442014_岩橋瑠伊-ポスター.pptx
@@ -3933,7 +3933,7 @@
         <p:spPr>
           <a:xfrm>
             <a:off x="548060" y="10894363"/>
-            <a:ext cx="20253552" cy="2148145"/>
+            <a:ext cx="20326704" cy="2148145"/>
           </a:xfrm>
           <a:prstGeom prst="roundRect">
             <a:avLst/>
@@ -4259,7 +4259,7 @@
         <p:spPr>
           <a:xfrm>
             <a:off x="451425" y="27418953"/>
-            <a:ext cx="20151353" cy="1918155"/>
+            <a:ext cx="20427375" cy="1918155"/>
           </a:xfrm>
           <a:prstGeom prst="roundRect">
             <a:avLst/>
